--- a/1-html-css/03. CSS3 선택자 및 스타일 속성(1).pptx
+++ b/1-html-css/03. CSS3 선택자 및 스타일 속성(1).pptx
@@ -5,7 +5,7 @@
     <p:sldMasterId id="2147483648" r:id="rId1"/>
   </p:sldMasterIdLst>
   <p:notesMasterIdLst>
-    <p:notesMasterId r:id="rId27"/>
+    <p:notesMasterId r:id="rId28"/>
   </p:notesMasterIdLst>
   <p:sldIdLst>
     <p:sldId id="256" r:id="rId2"/>
@@ -30,9 +30,10 @@
     <p:sldId id="327" r:id="rId21"/>
     <p:sldId id="330" r:id="rId22"/>
     <p:sldId id="332" r:id="rId23"/>
-    <p:sldId id="331" r:id="rId24"/>
-    <p:sldId id="333" r:id="rId25"/>
-    <p:sldId id="303" r:id="rId26"/>
+    <p:sldId id="334" r:id="rId24"/>
+    <p:sldId id="331" r:id="rId25"/>
+    <p:sldId id="333" r:id="rId26"/>
+    <p:sldId id="303" r:id="rId27"/>
   </p:sldIdLst>
   <p:sldSz cx="9144000" cy="6858000" type="screen4x3"/>
   <p:notesSz cx="6858000" cy="9144000"/>
@@ -8745,7 +8746,7 @@
           <a:p>
             <a:fld id="{E68C3F18-6C78-4F60-8870-FAED4AB3B4B6}" type="slidenum">
               <a:rPr lang="ko-KR" altLang="en-US" smtClean="0"/>
-              <a:t>24</a:t>
+              <a:t>25</a:t>
             </a:fld>
             <a:endParaRPr lang="ko-KR" altLang="en-US"/>
           </a:p>
@@ -14952,8 +14953,12 @@
           <a:lstStyle/>
           <a:p>
             <a:r>
-              <a:rPr lang="en-US" altLang="ko-KR" dirty="0" smtClean="0"/>
-              <a:t>10. </a:t>
+              <a:rPr lang="en-US" altLang="ko-KR" dirty="0"/>
+              <a:t>9</a:t>
+            </a:r>
+            <a:r>
+              <a:rPr lang="en-US" altLang="ko-KR" dirty="0" smtClean="0"/>
+              <a:t>. </a:t>
             </a:r>
             <a:r>
               <a:rPr lang="ko-KR" altLang="en-US" dirty="0" smtClean="0"/>
@@ -15086,6 +15091,14 @@
             <a:r>
               <a:rPr lang="en-US" altLang="ko-KR" dirty="0" err="1" smtClean="0"/>
               <a:t>24.html</a:t>
+            </a:r>
+            <a:endParaRPr lang="en-US" altLang="ko-KR" dirty="0" smtClean="0"/>
+          </a:p>
+          <a:p>
+            <a:pPr lvl="1"/>
+            <a:r>
+              <a:rPr lang="en-US" altLang="ko-KR" smtClean="0"/>
+              <a:t>text-decoration</a:t>
             </a:r>
             <a:endParaRPr lang="en-US" altLang="ko-KR" dirty="0" smtClean="0"/>
           </a:p>
@@ -15140,19 +15153,19 @@
           <a:p>
             <a:r>
               <a:rPr lang="en-US" altLang="ko-KR" dirty="0" smtClean="0"/>
-              <a:t>9. </a:t>
+              <a:t>10. </a:t>
             </a:r>
             <a:r>
               <a:rPr lang="ko-KR" altLang="en-US" dirty="0" smtClean="0"/>
-              <a:t>의사 요소 </a:t>
-            </a:r>
-            <a:r>
-              <a:rPr lang="en-US" altLang="ko-KR" dirty="0" smtClean="0"/>
-              <a:t>- </a:t>
+              <a:t>의사 클래스</a:t>
+            </a:r>
+            <a:r>
+              <a:rPr lang="en-US" altLang="ko-KR" dirty="0" smtClean="0"/>
+              <a:t> </a:t>
             </a:r>
             <a:r>
               <a:rPr lang="ko-KR" altLang="en-US" dirty="0" smtClean="0"/>
-              <a:t>문자 </a:t>
+              <a:t>구조 </a:t>
             </a:r>
             <a:r>
               <a:rPr lang="ko-KR" altLang="en-US" dirty="0" err="1" smtClean="0"/>
@@ -15175,29 +15188,90 @@
         <p:spPr/>
         <p:txBody>
           <a:bodyPr>
-            <a:normAutofit fontScale="77500" lnSpcReduction="20000"/>
+            <a:normAutofit fontScale="92500" lnSpcReduction="20000"/>
           </a:bodyPr>
           <a:lstStyle/>
           <a:p>
             <a:r>
               <a:rPr lang="en-US" altLang="ko-KR" dirty="0" smtClean="0"/>
-              <a:t>::first-letter - </a:t>
+              <a:t>:first-child</a:t>
+            </a:r>
+          </a:p>
+          <a:p>
+            <a:pPr lvl="1">
+              <a:buNone/>
+            </a:pPr>
+            <a:r>
+              <a:rPr lang="en-US" altLang="ko-KR" dirty="0" smtClean="0"/>
+              <a:t>- </a:t>
             </a:r>
             <a:r>
               <a:rPr lang="ko-KR" altLang="en-US" dirty="0" smtClean="0"/>
-              <a:t>첫 번째 글자를 선택</a:t>
+              <a:t>형제 관계 중에서 첫 번째에 위치하는 태그를 선택</a:t>
+            </a:r>
+            <a:r>
+              <a:rPr lang="en-US" altLang="ko-KR" dirty="0" smtClean="0"/>
+              <a:t>.</a:t>
+            </a:r>
+          </a:p>
+          <a:p>
+            <a:r>
+              <a:rPr lang="en-US" altLang="ko-KR" dirty="0" smtClean="0"/>
+              <a:t>:last-child</a:t>
+            </a:r>
+          </a:p>
+          <a:p>
+            <a:pPr lvl="1">
+              <a:buNone/>
+            </a:pPr>
+            <a:r>
+              <a:rPr lang="en-US" altLang="ko-KR" dirty="0" smtClean="0"/>
+              <a:t>- </a:t>
+            </a:r>
+            <a:r>
+              <a:rPr lang="ko-KR" altLang="en-US" dirty="0" smtClean="0"/>
+              <a:t>형제 관계 중에서 마지막에 위치하는 태그를 선택</a:t>
+            </a:r>
+            <a:r>
+              <a:rPr lang="en-US" altLang="ko-KR" dirty="0" smtClean="0"/>
+              <a:t>.</a:t>
+            </a:r>
+          </a:p>
+          <a:p>
+            <a:r>
+              <a:rPr lang="en-US" altLang="ko-KR" dirty="0" smtClean="0"/>
+              <a:t>:nth-child(</a:t>
+            </a:r>
+            <a:r>
+              <a:rPr lang="ko-KR" altLang="en-US" dirty="0" smtClean="0"/>
+              <a:t>수열</a:t>
+            </a:r>
+            <a:r>
+              <a:rPr lang="en-US" altLang="ko-KR" dirty="0" smtClean="0"/>
+              <a:t>)</a:t>
+            </a:r>
+          </a:p>
+          <a:p>
+            <a:pPr lvl="1"/>
+            <a:r>
+              <a:rPr lang="ko-KR" altLang="en-US" dirty="0" smtClean="0"/>
+              <a:t>형제 관계 중에서 앞에서 수열 번째에 태그를 선택</a:t>
             </a:r>
             <a:endParaRPr lang="en-US" altLang="ko-KR" dirty="0" smtClean="0"/>
           </a:p>
           <a:p>
-            <a:r>
-              <a:rPr lang="en-US" altLang="ko-KR" dirty="0" smtClean="0"/>
-              <a:t>::first-line - </a:t>
-            </a:r>
+            <a:pPr lvl="1"/>
             <a:r>
               <a:rPr lang="ko-KR" altLang="en-US" dirty="0" smtClean="0"/>
-              <a:t>첫 번째 줄을 선택</a:t>
-            </a:r>
+              <a:t>예</a:t>
+            </a:r>
+            <a:r>
+              <a:rPr lang="en-US" altLang="ko-KR" dirty="0" smtClean="0"/>
+              <a:t>) 1, 3, 5, 7, 9 =&gt; 2n +1 =&gt; nth-child(2n+1)</a:t>
+            </a:r>
+          </a:p>
+          <a:p>
+            <a:pPr lvl="1"/>
             <a:endParaRPr lang="en-US" altLang="ko-KR" dirty="0" smtClean="0"/>
           </a:p>
           <a:p>
@@ -15212,128 +15286,6 @@
             <a:r>
               <a:rPr lang="en-US" altLang="ko-KR" dirty="0" err="1" smtClean="0"/>
               <a:t>25.html</a:t>
-            </a:r>
-            <a:endParaRPr lang="en-US" altLang="ko-KR" dirty="0" smtClean="0"/>
-          </a:p>
-          <a:p>
-            <a:endParaRPr lang="en-US" altLang="ko-KR" dirty="0" smtClean="0"/>
-          </a:p>
-          <a:p>
-            <a:r>
-              <a:rPr lang="en-US" altLang="ko-KR" dirty="0" smtClean="0"/>
-              <a:t>::after - </a:t>
-            </a:r>
-            <a:r>
-              <a:rPr lang="ko-KR" altLang="en-US" dirty="0" smtClean="0"/>
-              <a:t>태그 뒤에 위치하는 공간을 선택</a:t>
-            </a:r>
-            <a:endParaRPr lang="en-US" altLang="ko-KR" dirty="0" smtClean="0"/>
-          </a:p>
-          <a:p>
-            <a:r>
-              <a:rPr lang="en-US" altLang="ko-KR" dirty="0" smtClean="0"/>
-              <a:t>::before - </a:t>
-            </a:r>
-            <a:r>
-              <a:rPr lang="ko-KR" altLang="en-US" dirty="0" smtClean="0"/>
-              <a:t>태그 앞에 위치하는 공간을 선택</a:t>
-            </a:r>
-            <a:endParaRPr lang="en-US" altLang="ko-KR" dirty="0" smtClean="0"/>
-          </a:p>
-          <a:p>
-            <a:r>
-              <a:rPr lang="ko-KR" altLang="en-US" dirty="0" smtClean="0"/>
-              <a:t>예제</a:t>
-            </a:r>
-            <a:r>
-              <a:rPr lang="en-US" altLang="ko-KR" dirty="0" smtClean="0"/>
-              <a:t>3-</a:t>
-            </a:r>
-            <a:r>
-              <a:rPr lang="en-US" altLang="ko-KR" dirty="0" err="1" smtClean="0"/>
-              <a:t>26.html</a:t>
-            </a:r>
-            <a:r>
-              <a:rPr lang="en-US" altLang="ko-KR" dirty="0" smtClean="0"/>
-              <a:t> – </a:t>
-            </a:r>
-            <a:r>
-              <a:rPr lang="en-US" altLang="ko-KR" dirty="0" err="1" smtClean="0"/>
-              <a:t>ul</a:t>
-            </a:r>
-            <a:r>
-              <a:rPr lang="en-US" altLang="ko-KR" dirty="0" smtClean="0"/>
-              <a:t> </a:t>
-            </a:r>
-            <a:r>
-              <a:rPr lang="ko-KR" altLang="en-US" dirty="0" smtClean="0"/>
-              <a:t>및 </a:t>
-            </a:r>
-            <a:r>
-              <a:rPr lang="en-US" altLang="ko-KR" dirty="0" smtClean="0"/>
-              <a:t>li</a:t>
-            </a:r>
-          </a:p>
-          <a:p>
-            <a:r>
-              <a:rPr lang="ko-KR" altLang="en-US" dirty="0" smtClean="0"/>
-              <a:t>예제</a:t>
-            </a:r>
-            <a:r>
-              <a:rPr lang="en-US" altLang="ko-KR" dirty="0" smtClean="0"/>
-              <a:t>3-</a:t>
-            </a:r>
-            <a:r>
-              <a:rPr lang="en-US" altLang="ko-KR" dirty="0" err="1" smtClean="0"/>
-              <a:t>27.html</a:t>
-            </a:r>
-            <a:r>
-              <a:rPr lang="en-US" altLang="ko-KR" dirty="0" smtClean="0"/>
-              <a:t> – </a:t>
-            </a:r>
-            <a:r>
-              <a:rPr lang="en-US" altLang="ko-KR" dirty="0" err="1" smtClean="0"/>
-              <a:t>ol</a:t>
-            </a:r>
-            <a:r>
-              <a:rPr lang="en-US" altLang="ko-KR" dirty="0" smtClean="0"/>
-              <a:t> </a:t>
-            </a:r>
-            <a:r>
-              <a:rPr lang="ko-KR" altLang="en-US" dirty="0" smtClean="0"/>
-              <a:t>및 </a:t>
-            </a:r>
-            <a:r>
-              <a:rPr lang="en-US" altLang="ko-KR" dirty="0" smtClean="0"/>
-              <a:t>li</a:t>
-            </a:r>
-          </a:p>
-          <a:p>
-            <a:endParaRPr lang="en-US" altLang="ko-KR" dirty="0" smtClean="0"/>
-          </a:p>
-          <a:p>
-            <a:r>
-              <a:rPr lang="en-US" altLang="ko-KR" dirty="0" smtClean="0"/>
-              <a:t>::selection - </a:t>
-            </a:r>
-            <a:r>
-              <a:rPr lang="ko-KR" altLang="en-US" dirty="0" smtClean="0"/>
-              <a:t>사용자가 드래그한 글자를 선택</a:t>
-            </a:r>
-            <a:endParaRPr lang="en-US" altLang="ko-KR" dirty="0" smtClean="0"/>
-          </a:p>
-          <a:p>
-            <a:r>
-              <a:rPr lang="ko-KR" altLang="en-US" dirty="0" smtClean="0"/>
-              <a:t>예제</a:t>
-            </a:r>
-            <a:r>
-              <a:rPr lang="en-US" altLang="ko-KR" dirty="0" smtClean="0"/>
-              <a:t> 3-</a:t>
-            </a:r>
-            <a:r>
-              <a:rPr lang="en-US" altLang="ko-KR" dirty="0" err="1" smtClean="0"/>
-              <a:t>28.html</a:t>
             </a:r>
             <a:endParaRPr lang="en-US" altLang="ko-KR" dirty="0" smtClean="0"/>
           </a:p>
@@ -15342,20 +15294,13 @@
     </p:spTree>
     <p:extLst>
       <p:ext uri="{BB962C8B-B14F-4D97-AF65-F5344CB8AC3E}">
-        <p14:creationId xmlns:p14="http://schemas.microsoft.com/office/powerpoint/2010/main" val="714359961"/>
+        <p14:creationId xmlns:p14="http://schemas.microsoft.com/office/powerpoint/2010/main" val="734828735"/>
       </p:ext>
     </p:extLst>
   </p:cSld>
   <p:clrMapOvr>
     <a:masterClrMapping/>
   </p:clrMapOvr>
-  <p:timing>
-    <p:tnLst>
-      <p:par>
-        <p:cTn id="1" dur="indefinite" restart="never" nodeType="tmRoot"/>
-      </p:par>
-    </p:tnLst>
-  </p:timing>
 </p:sld>
 </file>
 
@@ -15388,6 +15333,261 @@
         </p:nvSpPr>
         <p:spPr/>
         <p:txBody>
+          <a:bodyPr>
+            <a:normAutofit/>
+          </a:bodyPr>
+          <a:lstStyle/>
+          <a:p>
+            <a:r>
+              <a:rPr lang="en-US" altLang="ko-KR" dirty="0" smtClean="0"/>
+              <a:t>11. </a:t>
+            </a:r>
+            <a:r>
+              <a:rPr lang="ko-KR" altLang="en-US" dirty="0" smtClean="0"/>
+              <a:t>의사 요소 </a:t>
+            </a:r>
+            <a:r>
+              <a:rPr lang="en-US" altLang="ko-KR" dirty="0" smtClean="0"/>
+              <a:t>- </a:t>
+            </a:r>
+            <a:r>
+              <a:rPr lang="ko-KR" altLang="en-US" dirty="0" smtClean="0"/>
+              <a:t>문자 </a:t>
+            </a:r>
+            <a:r>
+              <a:rPr lang="ko-KR" altLang="en-US" dirty="0" err="1" smtClean="0"/>
+              <a:t>선택자</a:t>
+            </a:r>
+            <a:endParaRPr lang="ko-KR" altLang="en-US" dirty="0"/>
+          </a:p>
+        </p:txBody>
+      </p:sp>
+      <p:sp>
+        <p:nvSpPr>
+          <p:cNvPr id="3" name="내용 개체 틀 2"/>
+          <p:cNvSpPr>
+            <a:spLocks noGrp="1"/>
+          </p:cNvSpPr>
+          <p:nvPr>
+            <p:ph idx="1"/>
+          </p:nvPr>
+        </p:nvSpPr>
+        <p:spPr/>
+        <p:txBody>
+          <a:bodyPr>
+            <a:normAutofit fontScale="77500" lnSpcReduction="20000"/>
+          </a:bodyPr>
+          <a:lstStyle/>
+          <a:p>
+            <a:r>
+              <a:rPr lang="en-US" altLang="ko-KR" dirty="0" smtClean="0"/>
+              <a:t>::first-letter - </a:t>
+            </a:r>
+            <a:r>
+              <a:rPr lang="ko-KR" altLang="en-US" dirty="0" smtClean="0"/>
+              <a:t>첫 번째 글자를 선택</a:t>
+            </a:r>
+            <a:endParaRPr lang="en-US" altLang="ko-KR" dirty="0" smtClean="0"/>
+          </a:p>
+          <a:p>
+            <a:r>
+              <a:rPr lang="en-US" altLang="ko-KR" dirty="0" smtClean="0"/>
+              <a:t>::first-line - </a:t>
+            </a:r>
+            <a:r>
+              <a:rPr lang="ko-KR" altLang="en-US" dirty="0" smtClean="0"/>
+              <a:t>첫 번째 줄을 선택</a:t>
+            </a:r>
+            <a:endParaRPr lang="en-US" altLang="ko-KR" dirty="0" smtClean="0"/>
+          </a:p>
+          <a:p>
+            <a:r>
+              <a:rPr lang="ko-KR" altLang="en-US" dirty="0" smtClean="0"/>
+              <a:t>예제</a:t>
+            </a:r>
+            <a:r>
+              <a:rPr lang="en-US" altLang="ko-KR" dirty="0" smtClean="0"/>
+              <a:t>3-</a:t>
+            </a:r>
+            <a:r>
+              <a:rPr lang="en-US" altLang="ko-KR" dirty="0" err="1" smtClean="0"/>
+              <a:t>26.html</a:t>
+            </a:r>
+            <a:endParaRPr lang="en-US" altLang="ko-KR" dirty="0" smtClean="0"/>
+          </a:p>
+          <a:p>
+            <a:endParaRPr lang="en-US" altLang="ko-KR" dirty="0" smtClean="0"/>
+          </a:p>
+          <a:p>
+            <a:r>
+              <a:rPr lang="en-US" altLang="ko-KR" dirty="0" smtClean="0"/>
+              <a:t>::after - </a:t>
+            </a:r>
+            <a:r>
+              <a:rPr lang="ko-KR" altLang="en-US" dirty="0" smtClean="0"/>
+              <a:t>태그 뒤에 위치하는 공간을 선택</a:t>
+            </a:r>
+            <a:endParaRPr lang="en-US" altLang="ko-KR" dirty="0" smtClean="0"/>
+          </a:p>
+          <a:p>
+            <a:r>
+              <a:rPr lang="en-US" altLang="ko-KR" dirty="0" smtClean="0"/>
+              <a:t>::before - </a:t>
+            </a:r>
+            <a:r>
+              <a:rPr lang="ko-KR" altLang="en-US" dirty="0" smtClean="0"/>
+              <a:t>태그 앞에 위치하는 공간을 선택</a:t>
+            </a:r>
+            <a:endParaRPr lang="en-US" altLang="ko-KR" dirty="0" smtClean="0"/>
+          </a:p>
+          <a:p>
+            <a:r>
+              <a:rPr lang="ko-KR" altLang="en-US" dirty="0" smtClean="0"/>
+              <a:t>예제</a:t>
+            </a:r>
+            <a:r>
+              <a:rPr lang="en-US" altLang="ko-KR" dirty="0" smtClean="0"/>
+              <a:t>3-</a:t>
+            </a:r>
+            <a:r>
+              <a:rPr lang="en-US" altLang="ko-KR" dirty="0" err="1" smtClean="0"/>
+              <a:t>27.html</a:t>
+            </a:r>
+            <a:r>
+              <a:rPr lang="en-US" altLang="ko-KR" dirty="0" smtClean="0"/>
+              <a:t> – </a:t>
+            </a:r>
+            <a:r>
+              <a:rPr lang="en-US" altLang="ko-KR" dirty="0" err="1" smtClean="0"/>
+              <a:t>ul</a:t>
+            </a:r>
+            <a:r>
+              <a:rPr lang="en-US" altLang="ko-KR" dirty="0" smtClean="0"/>
+              <a:t> </a:t>
+            </a:r>
+            <a:r>
+              <a:rPr lang="ko-KR" altLang="en-US" dirty="0" smtClean="0"/>
+              <a:t>및 </a:t>
+            </a:r>
+            <a:r>
+              <a:rPr lang="en-US" altLang="ko-KR" dirty="0" smtClean="0"/>
+              <a:t>li</a:t>
+            </a:r>
+          </a:p>
+          <a:p>
+            <a:r>
+              <a:rPr lang="ko-KR" altLang="en-US" dirty="0" smtClean="0"/>
+              <a:t>예제</a:t>
+            </a:r>
+            <a:r>
+              <a:rPr lang="en-US" altLang="ko-KR" dirty="0" smtClean="0"/>
+              <a:t>3-</a:t>
+            </a:r>
+            <a:r>
+              <a:rPr lang="en-US" altLang="ko-KR" dirty="0" err="1" smtClean="0"/>
+              <a:t>28.html</a:t>
+            </a:r>
+            <a:r>
+              <a:rPr lang="en-US" altLang="ko-KR" dirty="0" smtClean="0"/>
+              <a:t> – </a:t>
+            </a:r>
+            <a:r>
+              <a:rPr lang="en-US" altLang="ko-KR" dirty="0" err="1" smtClean="0"/>
+              <a:t>ol</a:t>
+            </a:r>
+            <a:r>
+              <a:rPr lang="en-US" altLang="ko-KR" dirty="0" smtClean="0"/>
+              <a:t> </a:t>
+            </a:r>
+            <a:r>
+              <a:rPr lang="ko-KR" altLang="en-US" dirty="0" smtClean="0"/>
+              <a:t>및 </a:t>
+            </a:r>
+            <a:r>
+              <a:rPr lang="en-US" altLang="ko-KR" dirty="0" smtClean="0"/>
+              <a:t>li</a:t>
+            </a:r>
+          </a:p>
+          <a:p>
+            <a:endParaRPr lang="en-US" altLang="ko-KR" dirty="0" smtClean="0"/>
+          </a:p>
+          <a:p>
+            <a:r>
+              <a:rPr lang="en-US" altLang="ko-KR" dirty="0" smtClean="0"/>
+              <a:t>::selection - </a:t>
+            </a:r>
+            <a:r>
+              <a:rPr lang="ko-KR" altLang="en-US" dirty="0" smtClean="0"/>
+              <a:t>사용자가 드래그한 글자를 선택</a:t>
+            </a:r>
+            <a:endParaRPr lang="en-US" altLang="ko-KR" dirty="0" smtClean="0"/>
+          </a:p>
+          <a:p>
+            <a:r>
+              <a:rPr lang="ko-KR" altLang="en-US" dirty="0" smtClean="0"/>
+              <a:t>예제</a:t>
+            </a:r>
+            <a:r>
+              <a:rPr lang="en-US" altLang="ko-KR" dirty="0" smtClean="0"/>
+              <a:t> 3-</a:t>
+            </a:r>
+            <a:r>
+              <a:rPr lang="en-US" altLang="ko-KR" dirty="0" err="1" smtClean="0"/>
+              <a:t>29.html</a:t>
+            </a:r>
+            <a:endParaRPr lang="en-US" altLang="ko-KR" dirty="0" smtClean="0"/>
+          </a:p>
+        </p:txBody>
+      </p:sp>
+    </p:spTree>
+    <p:extLst>
+      <p:ext uri="{BB962C8B-B14F-4D97-AF65-F5344CB8AC3E}">
+        <p14:creationId xmlns:p14="http://schemas.microsoft.com/office/powerpoint/2010/main" val="714359961"/>
+      </p:ext>
+    </p:extLst>
+  </p:cSld>
+  <p:clrMapOvr>
+    <a:masterClrMapping/>
+  </p:clrMapOvr>
+  <p:timing>
+    <p:tnLst>
+      <p:par>
+        <p:cTn id="1" dur="indefinite" restart="never" nodeType="tmRoot"/>
+      </p:par>
+    </p:tnLst>
+  </p:timing>
+</p:sld>
+</file>
+
+<file path=ppt/slides/slide25.xml><?xml version="1.0" encoding="utf-8"?>
+<p:sld xmlns:a="http://schemas.openxmlformats.org/drawingml/2006/main" xmlns:r="http://schemas.openxmlformats.org/officeDocument/2006/relationships" xmlns:p="http://schemas.openxmlformats.org/presentationml/2006/main">
+  <p:cSld>
+    <p:spTree>
+      <p:nvGrpSpPr>
+        <p:cNvPr id="1" name=""/>
+        <p:cNvGrpSpPr/>
+        <p:nvPr/>
+      </p:nvGrpSpPr>
+      <p:grpSpPr>
+        <a:xfrm>
+          <a:off x="0" y="0"/>
+          <a:ext cx="0" cy="0"/>
+          <a:chOff x="0" y="0"/>
+          <a:chExt cx="0" cy="0"/>
+        </a:xfrm>
+      </p:grpSpPr>
+      <p:sp>
+        <p:nvSpPr>
+          <p:cNvPr id="2" name="제목 1"/>
+          <p:cNvSpPr>
+            <a:spLocks noGrp="1"/>
+          </p:cNvSpPr>
+          <p:nvPr>
+            <p:ph type="title"/>
+          </p:nvPr>
+        </p:nvSpPr>
+        <p:spPr/>
+        <p:txBody>
           <a:bodyPr/>
           <a:lstStyle/>
           <a:p>
@@ -15557,7 +15757,7 @@
       </p:sp>
       <p:pic>
         <p:nvPicPr>
-          <p:cNvPr id="5" name="그림 4"/>
+          <p:cNvPr id="4" name="그림 3"/>
           <p:cNvPicPr>
             <a:picLocks noChangeAspect="1"/>
           </p:cNvPicPr>
@@ -15571,8 +15771,8 @@
         </p:blipFill>
         <p:spPr>
           <a:xfrm>
-            <a:off x="5220072" y="1417638"/>
-            <a:ext cx="3168352" cy="5318921"/>
+            <a:off x="5292080" y="1222064"/>
+            <a:ext cx="3240360" cy="5439805"/>
           </a:xfrm>
           <a:prstGeom prst="rect">
             <a:avLst/>
@@ -15599,7 +15799,7 @@
 </p:sld>
 </file>
 
-<file path=ppt/slides/slide25.xml><?xml version="1.0" encoding="utf-8"?>
+<file path=ppt/slides/slide26.xml><?xml version="1.0" encoding="utf-8"?>
 <p:sld xmlns:a="http://schemas.openxmlformats.org/drawingml/2006/main" xmlns:r="http://schemas.openxmlformats.org/officeDocument/2006/relationships" xmlns:p="http://schemas.openxmlformats.org/presentationml/2006/main">
   <p:cSld>
     <p:spTree>

--- a/1-html-css/03. CSS3 선택자 및 스타일 속성(1).pptx
+++ b/1-html-css/03. CSS3 선택자 및 스타일 속성(1).pptx
@@ -8329,7 +8329,7 @@
           <a:p>
             <a:fld id="{093636E4-8C17-4485-99B8-068BEDD7B7BE}" type="datetimeFigureOut">
               <a:rPr lang="ko-KR" altLang="en-US" smtClean="0"/>
-              <a:t>2021-07-17</a:t>
+              <a:t>2021-07-18</a:t>
             </a:fld>
             <a:endParaRPr lang="ko-KR" altLang="en-US"/>
           </a:p>
@@ -8947,7 +8947,7 @@
             <a:fld id="{1879488F-3623-45BC-9557-A09A3AFFDD11}" type="datetimeFigureOut">
               <a:rPr lang="ko-KR" altLang="en-US" smtClean="0"/>
               <a:pPr/>
-              <a:t>2021-07-17</a:t>
+              <a:t>2021-07-18</a:t>
             </a:fld>
             <a:endParaRPr lang="ko-KR" altLang="en-US"/>
           </a:p>
@@ -9114,7 +9114,7 @@
             <a:fld id="{1879488F-3623-45BC-9557-A09A3AFFDD11}" type="datetimeFigureOut">
               <a:rPr lang="ko-KR" altLang="en-US" smtClean="0"/>
               <a:pPr/>
-              <a:t>2021-07-17</a:t>
+              <a:t>2021-07-18</a:t>
             </a:fld>
             <a:endParaRPr lang="ko-KR" altLang="en-US"/>
           </a:p>
@@ -9291,7 +9291,7 @@
             <a:fld id="{1879488F-3623-45BC-9557-A09A3AFFDD11}" type="datetimeFigureOut">
               <a:rPr lang="ko-KR" altLang="en-US" smtClean="0"/>
               <a:pPr/>
-              <a:t>2021-07-17</a:t>
+              <a:t>2021-07-18</a:t>
             </a:fld>
             <a:endParaRPr lang="ko-KR" altLang="en-US"/>
           </a:p>
@@ -9458,7 +9458,7 @@
             <a:fld id="{1879488F-3623-45BC-9557-A09A3AFFDD11}" type="datetimeFigureOut">
               <a:rPr lang="ko-KR" altLang="en-US" smtClean="0"/>
               <a:pPr/>
-              <a:t>2021-07-17</a:t>
+              <a:t>2021-07-18</a:t>
             </a:fld>
             <a:endParaRPr lang="ko-KR" altLang="en-US"/>
           </a:p>
@@ -9701,7 +9701,7 @@
             <a:fld id="{1879488F-3623-45BC-9557-A09A3AFFDD11}" type="datetimeFigureOut">
               <a:rPr lang="ko-KR" altLang="en-US" smtClean="0"/>
               <a:pPr/>
-              <a:t>2021-07-17</a:t>
+              <a:t>2021-07-18</a:t>
             </a:fld>
             <a:endParaRPr lang="ko-KR" altLang="en-US"/>
           </a:p>
@@ -9986,7 +9986,7 @@
             <a:fld id="{1879488F-3623-45BC-9557-A09A3AFFDD11}" type="datetimeFigureOut">
               <a:rPr lang="ko-KR" altLang="en-US" smtClean="0"/>
               <a:pPr/>
-              <a:t>2021-07-17</a:t>
+              <a:t>2021-07-18</a:t>
             </a:fld>
             <a:endParaRPr lang="ko-KR" altLang="en-US"/>
           </a:p>
@@ -10405,7 +10405,7 @@
             <a:fld id="{1879488F-3623-45BC-9557-A09A3AFFDD11}" type="datetimeFigureOut">
               <a:rPr lang="ko-KR" altLang="en-US" smtClean="0"/>
               <a:pPr/>
-              <a:t>2021-07-17</a:t>
+              <a:t>2021-07-18</a:t>
             </a:fld>
             <a:endParaRPr lang="ko-KR" altLang="en-US"/>
           </a:p>
@@ -10520,7 +10520,7 @@
             <a:fld id="{1879488F-3623-45BC-9557-A09A3AFFDD11}" type="datetimeFigureOut">
               <a:rPr lang="ko-KR" altLang="en-US" smtClean="0"/>
               <a:pPr/>
-              <a:t>2021-07-17</a:t>
+              <a:t>2021-07-18</a:t>
             </a:fld>
             <a:endParaRPr lang="ko-KR" altLang="en-US"/>
           </a:p>
@@ -10612,7 +10612,7 @@
             <a:fld id="{1879488F-3623-45BC-9557-A09A3AFFDD11}" type="datetimeFigureOut">
               <a:rPr lang="ko-KR" altLang="en-US" smtClean="0"/>
               <a:pPr/>
-              <a:t>2021-07-17</a:t>
+              <a:t>2021-07-18</a:t>
             </a:fld>
             <a:endParaRPr lang="ko-KR" altLang="en-US"/>
           </a:p>
@@ -10886,7 +10886,7 @@
             <a:fld id="{1879488F-3623-45BC-9557-A09A3AFFDD11}" type="datetimeFigureOut">
               <a:rPr lang="ko-KR" altLang="en-US" smtClean="0"/>
               <a:pPr/>
-              <a:t>2021-07-17</a:t>
+              <a:t>2021-07-18</a:t>
             </a:fld>
             <a:endParaRPr lang="ko-KR" altLang="en-US"/>
           </a:p>
@@ -11136,7 +11136,7 @@
             <a:fld id="{1879488F-3623-45BC-9557-A09A3AFFDD11}" type="datetimeFigureOut">
               <a:rPr lang="ko-KR" altLang="en-US" smtClean="0"/>
               <a:pPr/>
-              <a:t>2021-07-17</a:t>
+              <a:t>2021-07-18</a:t>
             </a:fld>
             <a:endParaRPr lang="ko-KR" altLang="en-US"/>
           </a:p>
@@ -11346,7 +11346,7 @@
             <a:fld id="{1879488F-3623-45BC-9557-A09A3AFFDD11}" type="datetimeFigureOut">
               <a:rPr lang="ko-KR" altLang="en-US" smtClean="0"/>
               <a:pPr/>
-              <a:t>2021-07-17</a:t>
+              <a:t>2021-07-18</a:t>
             </a:fld>
             <a:endParaRPr lang="ko-KR" altLang="en-US"/>
           </a:p>
@@ -12145,8 +12145,12 @@
           <a:lstStyle/>
           <a:p>
             <a:r>
-              <a:rPr lang="en-US" altLang="ko-KR" dirty="0" smtClean="0"/>
-              <a:t>5. </a:t>
+              <a:rPr lang="en-US" altLang="ko-KR" dirty="0"/>
+              <a:t>1</a:t>
+            </a:r>
+            <a:r>
+              <a:rPr lang="en-US" altLang="ko-KR" dirty="0" smtClean="0"/>
+              <a:t>. </a:t>
             </a:r>
             <a:r>
               <a:rPr lang="en-US" altLang="ko-KR" dirty="0" err="1" smtClean="0"/>
@@ -12316,8 +12320,12 @@
           <a:lstStyle/>
           <a:p>
             <a:r>
-              <a:rPr lang="en-US" altLang="ko-KR" dirty="0" smtClean="0"/>
-              <a:t>5. </a:t>
+              <a:rPr lang="en-US" altLang="ko-KR" dirty="0"/>
+              <a:t>2</a:t>
+            </a:r>
+            <a:r>
+              <a:rPr lang="en-US" altLang="ko-KR" dirty="0" smtClean="0"/>
+              <a:t>. </a:t>
             </a:r>
             <a:r>
               <a:rPr lang="en-US" altLang="ko-KR" dirty="0" err="1" smtClean="0"/>
@@ -12499,8 +12507,12 @@
           <a:lstStyle/>
           <a:p>
             <a:r>
-              <a:rPr lang="en-US" altLang="ko-KR" dirty="0" smtClean="0"/>
-              <a:t>6. </a:t>
+              <a:rPr lang="en-US" altLang="ko-KR" dirty="0"/>
+              <a:t>3</a:t>
+            </a:r>
+            <a:r>
+              <a:rPr lang="en-US" altLang="ko-KR" dirty="0" smtClean="0"/>
+              <a:t>. </a:t>
             </a:r>
             <a:r>
               <a:rPr lang="ko-KR" altLang="en-US" dirty="0" smtClean="0"/>
@@ -13413,7 +13425,11 @@
           <a:p>
             <a:r>
               <a:rPr lang="en-US" altLang="ko-KR" dirty="0"/>
-              <a:t>6. </a:t>
+              <a:t>3</a:t>
+            </a:r>
+            <a:r>
+              <a:rPr lang="en-US" altLang="ko-KR" dirty="0" smtClean="0"/>
+              <a:t>. </a:t>
             </a:r>
             <a:r>
               <a:rPr lang="ko-KR" altLang="en-US" dirty="0"/>
@@ -13703,7 +13719,11 @@
           <a:p>
             <a:r>
               <a:rPr lang="en-US" altLang="ko-KR" dirty="0"/>
-              <a:t>6. </a:t>
+              <a:t>3</a:t>
+            </a:r>
+            <a:r>
+              <a:rPr lang="en-US" altLang="ko-KR" dirty="0" smtClean="0"/>
+              <a:t>. </a:t>
             </a:r>
             <a:r>
               <a:rPr lang="ko-KR" altLang="en-US" dirty="0"/>
@@ -13930,8 +13950,12 @@
           <a:lstStyle/>
           <a:p>
             <a:r>
-              <a:rPr lang="en-US" altLang="ko-KR" dirty="0" smtClean="0"/>
-              <a:t>7. </a:t>
+              <a:rPr lang="en-US" altLang="ko-KR" dirty="0"/>
+              <a:t>4</a:t>
+            </a:r>
+            <a:r>
+              <a:rPr lang="en-US" altLang="ko-KR" dirty="0" smtClean="0"/>
+              <a:t>. </a:t>
             </a:r>
             <a:r>
               <a:rPr lang="ko-KR" altLang="en-US" dirty="0" smtClean="0"/>
@@ -14539,8 +14563,12 @@
           <a:lstStyle/>
           <a:p>
             <a:r>
-              <a:rPr lang="en-US" altLang="ko-KR" dirty="0" smtClean="0"/>
-              <a:t>5. </a:t>
+              <a:rPr lang="en-US" altLang="ko-KR" dirty="0"/>
+              <a:t>1</a:t>
+            </a:r>
+            <a:r>
+              <a:rPr lang="en-US" altLang="ko-KR" dirty="0" smtClean="0"/>
+              <a:t>. </a:t>
             </a:r>
             <a:r>
               <a:rPr lang="ko-KR" altLang="en-US" dirty="0" smtClean="0"/>
@@ -14809,8 +14837,12 @@
           <a:lstStyle/>
           <a:p>
             <a:r>
-              <a:rPr lang="en-US" altLang="ko-KR" dirty="0" smtClean="0"/>
-              <a:t>8. </a:t>
+              <a:rPr lang="en-US" altLang="ko-KR" dirty="0"/>
+              <a:t>2</a:t>
+            </a:r>
+            <a:r>
+              <a:rPr lang="en-US" altLang="ko-KR" dirty="0" smtClean="0"/>
+              <a:t>. </a:t>
             </a:r>
             <a:r>
               <a:rPr lang="ko-KR" altLang="en-US" dirty="0" smtClean="0"/>
@@ -14954,7 +14986,7 @@
           <a:p>
             <a:r>
               <a:rPr lang="en-US" altLang="ko-KR" dirty="0"/>
-              <a:t>9</a:t>
+              <a:t>3</a:t>
             </a:r>
             <a:r>
               <a:rPr lang="en-US" altLang="ko-KR" dirty="0" smtClean="0"/>
@@ -15152,8 +15184,12 @@
           <a:lstStyle/>
           <a:p>
             <a:r>
-              <a:rPr lang="en-US" altLang="ko-KR" dirty="0" smtClean="0"/>
-              <a:t>10. </a:t>
+              <a:rPr lang="en-US" altLang="ko-KR" dirty="0"/>
+              <a:t>4</a:t>
+            </a:r>
+            <a:r>
+              <a:rPr lang="en-US" altLang="ko-KR" dirty="0" smtClean="0"/>
+              <a:t>. </a:t>
             </a:r>
             <a:r>
               <a:rPr lang="ko-KR" altLang="en-US" dirty="0" smtClean="0"/>
@@ -15339,8 +15375,12 @@
           <a:lstStyle/>
           <a:p>
             <a:r>
-              <a:rPr lang="en-US" altLang="ko-KR" dirty="0" smtClean="0"/>
-              <a:t>11. </a:t>
+              <a:rPr lang="en-US" altLang="ko-KR" dirty="0"/>
+              <a:t>5</a:t>
+            </a:r>
+            <a:r>
+              <a:rPr lang="en-US" altLang="ko-KR" dirty="0" smtClean="0"/>
+              <a:t>. </a:t>
             </a:r>
             <a:r>
               <a:rPr lang="ko-KR" altLang="en-US" dirty="0" smtClean="0"/>
@@ -17363,7 +17403,7 @@
           <a:p>
             <a:r>
               <a:rPr lang="en-US" altLang="ko-KR" dirty="0"/>
-              <a:t>6</a:t>
+              <a:t>5</a:t>
             </a:r>
             <a:r>
               <a:rPr lang="en-US" altLang="ko-KR" dirty="0" smtClean="0"/>
@@ -17676,7 +17716,7 @@
           <a:p>
             <a:r>
               <a:rPr lang="en-US" altLang="ko-KR" dirty="0"/>
-              <a:t>7</a:t>
+              <a:t>6</a:t>
             </a:r>
             <a:r>
               <a:rPr lang="en-US" altLang="ko-KR" dirty="0" smtClean="0"/>

--- a/1-html-css/03. CSS3 선택자 및 스타일 속성(1).pptx
+++ b/1-html-css/03. CSS3 선택자 및 스타일 속성(1).pptx
@@ -8329,7 +8329,7 @@
           <a:p>
             <a:fld id="{093636E4-8C17-4485-99B8-068BEDD7B7BE}" type="datetimeFigureOut">
               <a:rPr lang="ko-KR" altLang="en-US" smtClean="0"/>
-              <a:t>2021-07-18</a:t>
+              <a:t>2021-07-21</a:t>
             </a:fld>
             <a:endParaRPr lang="ko-KR" altLang="en-US"/>
           </a:p>
@@ -8947,7 +8947,7 @@
             <a:fld id="{1879488F-3623-45BC-9557-A09A3AFFDD11}" type="datetimeFigureOut">
               <a:rPr lang="ko-KR" altLang="en-US" smtClean="0"/>
               <a:pPr/>
-              <a:t>2021-07-18</a:t>
+              <a:t>2021-07-21</a:t>
             </a:fld>
             <a:endParaRPr lang="ko-KR" altLang="en-US"/>
           </a:p>
@@ -9114,7 +9114,7 @@
             <a:fld id="{1879488F-3623-45BC-9557-A09A3AFFDD11}" type="datetimeFigureOut">
               <a:rPr lang="ko-KR" altLang="en-US" smtClean="0"/>
               <a:pPr/>
-              <a:t>2021-07-18</a:t>
+              <a:t>2021-07-21</a:t>
             </a:fld>
             <a:endParaRPr lang="ko-KR" altLang="en-US"/>
           </a:p>
@@ -9291,7 +9291,7 @@
             <a:fld id="{1879488F-3623-45BC-9557-A09A3AFFDD11}" type="datetimeFigureOut">
               <a:rPr lang="ko-KR" altLang="en-US" smtClean="0"/>
               <a:pPr/>
-              <a:t>2021-07-18</a:t>
+              <a:t>2021-07-21</a:t>
             </a:fld>
             <a:endParaRPr lang="ko-KR" altLang="en-US"/>
           </a:p>
@@ -9458,7 +9458,7 @@
             <a:fld id="{1879488F-3623-45BC-9557-A09A3AFFDD11}" type="datetimeFigureOut">
               <a:rPr lang="ko-KR" altLang="en-US" smtClean="0"/>
               <a:pPr/>
-              <a:t>2021-07-18</a:t>
+              <a:t>2021-07-21</a:t>
             </a:fld>
             <a:endParaRPr lang="ko-KR" altLang="en-US"/>
           </a:p>
@@ -9701,7 +9701,7 @@
             <a:fld id="{1879488F-3623-45BC-9557-A09A3AFFDD11}" type="datetimeFigureOut">
               <a:rPr lang="ko-KR" altLang="en-US" smtClean="0"/>
               <a:pPr/>
-              <a:t>2021-07-18</a:t>
+              <a:t>2021-07-21</a:t>
             </a:fld>
             <a:endParaRPr lang="ko-KR" altLang="en-US"/>
           </a:p>
@@ -9986,7 +9986,7 @@
             <a:fld id="{1879488F-3623-45BC-9557-A09A3AFFDD11}" type="datetimeFigureOut">
               <a:rPr lang="ko-KR" altLang="en-US" smtClean="0"/>
               <a:pPr/>
-              <a:t>2021-07-18</a:t>
+              <a:t>2021-07-21</a:t>
             </a:fld>
             <a:endParaRPr lang="ko-KR" altLang="en-US"/>
           </a:p>
@@ -10405,7 +10405,7 @@
             <a:fld id="{1879488F-3623-45BC-9557-A09A3AFFDD11}" type="datetimeFigureOut">
               <a:rPr lang="ko-KR" altLang="en-US" smtClean="0"/>
               <a:pPr/>
-              <a:t>2021-07-18</a:t>
+              <a:t>2021-07-21</a:t>
             </a:fld>
             <a:endParaRPr lang="ko-KR" altLang="en-US"/>
           </a:p>
@@ -10520,7 +10520,7 @@
             <a:fld id="{1879488F-3623-45BC-9557-A09A3AFFDD11}" type="datetimeFigureOut">
               <a:rPr lang="ko-KR" altLang="en-US" smtClean="0"/>
               <a:pPr/>
-              <a:t>2021-07-18</a:t>
+              <a:t>2021-07-21</a:t>
             </a:fld>
             <a:endParaRPr lang="ko-KR" altLang="en-US"/>
           </a:p>
@@ -10612,7 +10612,7 @@
             <a:fld id="{1879488F-3623-45BC-9557-A09A3AFFDD11}" type="datetimeFigureOut">
               <a:rPr lang="ko-KR" altLang="en-US" smtClean="0"/>
               <a:pPr/>
-              <a:t>2021-07-18</a:t>
+              <a:t>2021-07-21</a:t>
             </a:fld>
             <a:endParaRPr lang="ko-KR" altLang="en-US"/>
           </a:p>
@@ -10886,7 +10886,7 @@
             <a:fld id="{1879488F-3623-45BC-9557-A09A3AFFDD11}" type="datetimeFigureOut">
               <a:rPr lang="ko-KR" altLang="en-US" smtClean="0"/>
               <a:pPr/>
-              <a:t>2021-07-18</a:t>
+              <a:t>2021-07-21</a:t>
             </a:fld>
             <a:endParaRPr lang="ko-KR" altLang="en-US"/>
           </a:p>
@@ -11136,7 +11136,7 @@
             <a:fld id="{1879488F-3623-45BC-9557-A09A3AFFDD11}" type="datetimeFigureOut">
               <a:rPr lang="ko-KR" altLang="en-US" smtClean="0"/>
               <a:pPr/>
-              <a:t>2021-07-18</a:t>
+              <a:t>2021-07-21</a:t>
             </a:fld>
             <a:endParaRPr lang="ko-KR" altLang="en-US"/>
           </a:p>
@@ -11346,7 +11346,7 @@
             <a:fld id="{1879488F-3623-45BC-9557-A09A3AFFDD11}" type="datetimeFigureOut">
               <a:rPr lang="ko-KR" altLang="en-US" smtClean="0"/>
               <a:pPr/>
-              <a:t>2021-07-18</a:t>
+              <a:t>2021-07-21</a:t>
             </a:fld>
             <a:endParaRPr lang="ko-KR" altLang="en-US"/>
           </a:p>
@@ -12392,38 +12392,38 @@
           <a:p>
             <a:pPr lvl="1"/>
             <a:r>
-              <a:rPr lang="en-US" altLang="ko-KR" dirty="0" err="1" smtClean="0"/>
+              <a:rPr lang="en-US" altLang="ko-KR" sz="2400" dirty="0" err="1" smtClean="0"/>
               <a:t>em</a:t>
             </a:r>
             <a:r>
-              <a:rPr lang="en-US" altLang="ko-KR" dirty="0" smtClean="0"/>
+              <a:rPr lang="en-US" altLang="ko-KR" sz="2400" dirty="0" smtClean="0"/>
               <a:t>: </a:t>
             </a:r>
             <a:r>
-              <a:rPr lang="ko-KR" altLang="en-US" dirty="0" smtClean="0"/>
-              <a:t>부모 요소 크기 기준 상대 비율</a:t>
-            </a:r>
-            <a:endParaRPr lang="en-US" altLang="ko-KR" dirty="0" smtClean="0"/>
+              <a:rPr lang="ko-KR" altLang="en-US" sz="2400" dirty="0" smtClean="0"/>
+              <a:t>부모 요소 폰트 크기 기준 상대 비율</a:t>
+            </a:r>
+            <a:endParaRPr lang="en-US" altLang="ko-KR" sz="2400" dirty="0" smtClean="0"/>
           </a:p>
           <a:p>
             <a:pPr lvl="1"/>
             <a:r>
-              <a:rPr lang="en-US" altLang="ko-KR" dirty="0" smtClean="0"/>
+              <a:rPr lang="en-US" altLang="ko-KR" sz="2400" dirty="0" smtClean="0"/>
               <a:t>rem: </a:t>
             </a:r>
             <a:r>
-              <a:rPr lang="ko-KR" altLang="en-US" dirty="0" smtClean="0"/>
+              <a:rPr lang="ko-KR" altLang="en-US" sz="2400" dirty="0" smtClean="0"/>
               <a:t>루트 요소</a:t>
             </a:r>
             <a:r>
-              <a:rPr lang="en-US" altLang="ko-KR" dirty="0" smtClean="0"/>
+              <a:rPr lang="en-US" altLang="ko-KR" sz="2400" dirty="0" smtClean="0"/>
               <a:t>(html) </a:t>
             </a:r>
             <a:r>
-              <a:rPr lang="ko-KR" altLang="en-US" dirty="0" smtClean="0"/>
-              <a:t>크기 기준 상대 비율</a:t>
-            </a:r>
-            <a:endParaRPr lang="en-US" altLang="ko-KR" dirty="0" smtClean="0"/>
+              <a:rPr lang="ko-KR" altLang="en-US" sz="2400" dirty="0" smtClean="0"/>
+              <a:t>폰트 크기 기준 상대 비율</a:t>
+            </a:r>
+            <a:endParaRPr lang="en-US" altLang="ko-KR" sz="2400" dirty="0" smtClean="0"/>
           </a:p>
           <a:p>
             <a:pPr marL="457200" lvl="1" indent="0">
@@ -14191,8 +14191,28 @@
               <a:t>공간 형식을 </a:t>
             </a:r>
             <a:r>
-              <a:rPr lang="ko-KR" altLang="en-US" sz="2000" dirty="0"/>
+              <a:rPr lang="ko-KR" altLang="en-US" sz="2000" dirty="0" smtClean="0"/>
               <a:t>지정</a:t>
+            </a:r>
+            <a:r>
+              <a:rPr lang="en-US" altLang="ko-KR" sz="2000" dirty="0" smtClean="0"/>
+              <a:t>, table</a:t>
+            </a:r>
+            <a:r>
+              <a:rPr lang="ko-KR" altLang="en-US" sz="2000" dirty="0" smtClean="0"/>
+              <a:t>에 </a:t>
+            </a:r>
+            <a:r>
+              <a:rPr lang="en-US" altLang="ko-KR" sz="2000" dirty="0" smtClean="0"/>
+              <a:t>border-collap</a:t>
+            </a:r>
+            <a:r>
+              <a:rPr lang="en-US" altLang="ko-KR" sz="2000" dirty="0" smtClean="0"/>
+              <a:t>se: collapse </a:t>
+            </a:r>
+            <a:r>
+              <a:rPr lang="ko-KR" altLang="en-US" sz="2000" dirty="0" smtClean="0"/>
+              <a:t>적용</a:t>
             </a:r>
             <a:endParaRPr lang="en-US" altLang="ko-KR" sz="2000" dirty="0"/>
           </a:p>
@@ -14249,7 +14269,37 @@
             </a:r>
             <a:r>
               <a:rPr lang="ko-KR" altLang="en-US" sz="2000" dirty="0" smtClean="0"/>
-              <a:t> 등을 이용하여 다양하게 실험</a:t>
+              <a:t> 등을 이용하여 다양하게 </a:t>
+            </a:r>
+            <a:r>
+              <a:rPr lang="ko-KR" altLang="en-US" sz="2000" dirty="0" smtClean="0"/>
+              <a:t>실험</a:t>
+            </a:r>
+            <a:endParaRPr lang="en-US" altLang="ko-KR" sz="2000" dirty="0" smtClean="0"/>
+          </a:p>
+          <a:p>
+            <a:endParaRPr lang="en-US" altLang="ko-KR" sz="2000" dirty="0"/>
+          </a:p>
+          <a:p>
+            <a:r>
+              <a:rPr lang="ko-KR" altLang="en-US" sz="2000" dirty="0" err="1" smtClean="0"/>
+              <a:t>폰트크기</a:t>
+            </a:r>
+            <a:r>
+              <a:rPr lang="ko-KR" altLang="en-US" sz="2000" dirty="0" smtClean="0"/>
+              <a:t> 조정 </a:t>
+            </a:r>
+            <a:r>
+              <a:rPr lang="ko-KR" altLang="en-US" sz="2000" smtClean="0"/>
+              <a:t>및 </a:t>
+            </a:r>
+            <a:r>
+              <a:rPr lang="en-US" altLang="ko-KR" sz="2000" smtClean="0"/>
+              <a:t>rem</a:t>
+            </a:r>
+            <a:r>
+              <a:rPr lang="ko-KR" altLang="en-US" sz="2000" smtClean="0"/>
+              <a:t>을 활용</a:t>
             </a:r>
             <a:endParaRPr lang="en-US" altLang="ko-KR" sz="2000" dirty="0" smtClean="0"/>
           </a:p>
